--- a/PowerPoints/10 - CVM.pptx
+++ b/PowerPoints/10 - CVM.pptx
@@ -22330,7 +22330,7 @@
               <a:rPr lang="en-US" dirty="0">
                 <a:cs typeface="Arial" pitchFamily="34" charset="0"/>
               </a:rPr>
-              <a:t>Some instructions take one or two immediate operands, which are always located in the bytes immediately following the instruction in memory.</a:t>
+              <a:t>Some instructions take an immediate operand, which is always located immediately following the instruction in memory.</a:t>
             </a:r>
           </a:p>
           <a:p>
@@ -22338,7 +22338,7 @@
               <a:rPr lang="en-US" dirty="0">
                 <a:cs typeface="Arial" pitchFamily="34" charset="0"/>
               </a:rPr>
-              <a:t>Depending on the opcode, an argument can be</a:t>
+              <a:t>Depending on the opcode, an immediate operand can be</a:t>
             </a:r>
           </a:p>
           <a:p>

--- a/PowerPoints/10 - CVM.pptx
+++ b/PowerPoints/10 - CVM.pptx
@@ -1,6 +1,6 @@
 
 <file path=ppt/presentation.xml><?xml version="1.0" encoding="utf-8"?>
-<p:presentation xmlns:a="http://schemas.openxmlformats.org/drawingml/2006/main" xmlns:r="http://schemas.openxmlformats.org/officeDocument/2006/relationships" xmlns:p="http://schemas.openxmlformats.org/presentationml/2006/main" saveSubsetFonts="1">
+<p:presentation xmlns:a="http://schemas.openxmlformats.org/drawingml/2006/main" xmlns:r="http://schemas.openxmlformats.org/officeDocument/2006/relationships" xmlns:p="http://schemas.openxmlformats.org/presentationml/2006/main" saveSubsetFonts="1" autoCompressPictures="0">
   <p:sldMasterIdLst>
     <p:sldMasterId id="2147483651" r:id="rId1"/>
   </p:sldMasterIdLst>
@@ -18,7 +18,7 @@
     <p:sldId id="275" r:id="rId6"/>
     <p:sldId id="263" r:id="rId7"/>
     <p:sldId id="374" r:id="rId8"/>
-    <p:sldId id="375" r:id="rId9"/>
+    <p:sldId id="376" r:id="rId9"/>
     <p:sldId id="259" r:id="rId10"/>
     <p:sldId id="272" r:id="rId11"/>
     <p:sldId id="277" r:id="rId12"/>
@@ -23084,6 +23084,51 @@
           <a:p>
             <a:r>
               <a:rPr lang="en-US" dirty="0"/>
+              <a:t>Bitwise Opcodes: </a:t>
+            </a:r>
+            <a:r>
+              <a:rPr lang="en-US" sz="2000" dirty="0">
+                <a:latin typeface="Consolas" panose="020B0609020204030204" pitchFamily="49" charset="0"/>
+              </a:rPr>
+              <a:t>BITAND</a:t>
+            </a:r>
+            <a:r>
+              <a:rPr lang="en-US" dirty="0"/>
+              <a:t>, </a:t>
+            </a:r>
+            <a:r>
+              <a:rPr lang="en-US" sz="2000" dirty="0">
+                <a:latin typeface="Consolas" panose="020B0609020204030204" pitchFamily="49" charset="0"/>
+              </a:rPr>
+              <a:t>BITOR</a:t>
+            </a:r>
+            <a:r>
+              <a:rPr lang="en-US" dirty="0"/>
+              <a:t>, </a:t>
+            </a:r>
+            <a:r>
+              <a:rPr lang="en-US" sz="2000" dirty="0">
+                <a:latin typeface="Consolas" panose="020B0609020204030204" pitchFamily="49" charset="0"/>
+              </a:rPr>
+              <a:t>BITXOR</a:t>
+            </a:r>
+            <a:r>
+              <a:rPr lang="en-US" dirty="0"/>
+              <a:t>, </a:t>
+            </a:r>
+            <a:r>
+              <a:rPr lang="en-US" sz="2000" dirty="0">
+                <a:latin typeface="Consolas" panose="020B0609020204030204" pitchFamily="49" charset="0"/>
+              </a:rPr>
+              <a:t>BITNOT</a:t>
+            </a:r>
+            <a:endParaRPr lang="en-US" dirty="0">
+              <a:latin typeface="Consolas" panose="020B0609020204030204" pitchFamily="49" charset="0"/>
+            </a:endParaRPr>
+          </a:p>
+          <a:p>
+            <a:r>
+              <a:rPr lang="en-US" dirty="0"/>
               <a:t>Shift Opcodes: </a:t>
             </a:r>
             <a:r>
@@ -23102,6 +23147,31 @@
               </a:rPr>
               <a:t>SHR</a:t>
             </a:r>
+          </a:p>
+          <a:p>
+            <a:r>
+              <a:rPr lang="en-US" dirty="0"/>
+              <a:t>Type Conversion Opcodes: </a:t>
+            </a:r>
+            <a:r>
+              <a:rPr lang="en-US" sz="2000" dirty="0">
+                <a:latin typeface="Consolas" panose="020B0609020204030204" pitchFamily="49" charset="0"/>
+              </a:rPr>
+              <a:t>BYTE2INT</a:t>
+            </a:r>
+            <a:r>
+              <a:rPr lang="en-US" sz="2000" dirty="0"/>
+              <a:t> and </a:t>
+            </a:r>
+            <a:r>
+              <a:rPr lang="en-US" sz="2000" dirty="0">
+                <a:latin typeface="Consolas" panose="020B0609020204030204" pitchFamily="49" charset="0"/>
+              </a:rPr>
+              <a:t>INT2BYTE</a:t>
+            </a:r>
+            <a:endParaRPr lang="en-US" dirty="0">
+              <a:latin typeface="Consolas" panose="020B0609020204030204" pitchFamily="49" charset="0"/>
+            </a:endParaRPr>
           </a:p>
           <a:p>
             <a:r>
@@ -23374,7 +23444,7 @@
     </p:spTree>
     <p:extLst>
       <p:ext uri="{BB962C8B-B14F-4D97-AF65-F5344CB8AC3E}">
-        <p14:creationId xmlns:p14="http://schemas.microsoft.com/office/powerpoint/2010/main" val="741811173"/>
+        <p14:creationId xmlns:p14="http://schemas.microsoft.com/office/powerpoint/2010/main" val="2514186749"/>
       </p:ext>
     </p:extLst>
   </p:cSld>

--- a/PowerPoints/10 - CVM.pptx
+++ b/PowerPoints/10 - CVM.pptx
@@ -10198,7 +10198,7 @@
           </p:nvSpPr>
           <p:spPr bwMode="auto">
             <a:xfrm>
-              <a:off x="5066196" y="2005542"/>
+              <a:off x="5066196" y="2046340"/>
               <a:ext cx="1223092" cy="1077860"/>
             </a:xfrm>
             <a:prstGeom prst="rect">
